--- a/ppt 16-9/0680.我的心中快乐.pptx
+++ b/ppt 16-9/0680.我的心中快乐.pptx
@@ -5,7 +5,7 @@
     <p:sldMasterId id="2147483648" r:id="rId1"/>
   </p:sldMasterIdLst>
   <p:sldIdLst>
-    <p:sldId id="2488" r:id="rId2"/>
+    <p:sldId id="2490" r:id="rId2"/>
   </p:sldIdLst>
   <p:sldSz cx="12192000" cy="6858000"/>
   <p:notesSz cx="6858000" cy="9144000"/>
@@ -129,7 +129,7 @@
           <p:cNvPr id="2" name="标题 1">
             <a:extLst>
               <a:ext uri="{FF2B5EF4-FFF2-40B4-BE49-F238E27FC236}">
-                <a16:creationId xmlns:a16="http://schemas.microsoft.com/office/drawing/2014/main" id="{59864A4D-3B4B-55F2-8C13-DEAD0B2876DC}"/>
+                <a16:creationId xmlns:a16="http://schemas.microsoft.com/office/drawing/2014/main" id="{097D4E34-9B8F-1429-94F6-67139C352A0C}"/>
               </a:ext>
             </a:extLst>
           </p:cNvPr>
@@ -166,7 +166,7 @@
           <p:cNvPr id="3" name="副标题 2">
             <a:extLst>
               <a:ext uri="{FF2B5EF4-FFF2-40B4-BE49-F238E27FC236}">
-                <a16:creationId xmlns:a16="http://schemas.microsoft.com/office/drawing/2014/main" id="{0D75819E-8B34-3A8D-4309-B1966C789C18}"/>
+                <a16:creationId xmlns:a16="http://schemas.microsoft.com/office/drawing/2014/main" id="{5B3A6A81-4BBC-265D-C5D4-57E498EF66B3}"/>
               </a:ext>
             </a:extLst>
           </p:cNvPr>
@@ -236,7 +236,7 @@
           <p:cNvPr id="4" name="日期占位符 3">
             <a:extLst>
               <a:ext uri="{FF2B5EF4-FFF2-40B4-BE49-F238E27FC236}">
-                <a16:creationId xmlns:a16="http://schemas.microsoft.com/office/drawing/2014/main" id="{F7E26F11-0BC3-D56F-849D-A27365AA8148}"/>
+                <a16:creationId xmlns:a16="http://schemas.microsoft.com/office/drawing/2014/main" id="{91C59708-D281-E689-41A7-939A471C4A2A}"/>
               </a:ext>
             </a:extLst>
           </p:cNvPr>
@@ -252,7 +252,7 @@
           <a:bodyPr/>
           <a:lstStyle/>
           <a:p>
-            <a:fld id="{931292E8-0182-4F6A-A6D6-AA4322D415DA}" type="datetimeFigureOut">
+            <a:fld id="{7FA305C4-3DC0-47BB-B9EB-61C3FF20102E}" type="datetimeFigureOut">
               <a:rPr lang="zh-CN" altLang="en-US" smtClean="0"/>
               <a:t>2024/3/10</a:t>
             </a:fld>
@@ -265,7 +265,7 @@
           <p:cNvPr id="5" name="页脚占位符 4">
             <a:extLst>
               <a:ext uri="{FF2B5EF4-FFF2-40B4-BE49-F238E27FC236}">
-                <a16:creationId xmlns:a16="http://schemas.microsoft.com/office/drawing/2014/main" id="{2E49440F-9E9C-C3C0-8EEB-0FE625D7BD52}"/>
+                <a16:creationId xmlns:a16="http://schemas.microsoft.com/office/drawing/2014/main" id="{D42A084F-A71C-9B3D-09DD-12B04E69305E}"/>
               </a:ext>
             </a:extLst>
           </p:cNvPr>
@@ -290,7 +290,7 @@
           <p:cNvPr id="6" name="灯片编号占位符 5">
             <a:extLst>
               <a:ext uri="{FF2B5EF4-FFF2-40B4-BE49-F238E27FC236}">
-                <a16:creationId xmlns:a16="http://schemas.microsoft.com/office/drawing/2014/main" id="{0BFCF581-F1C5-4AAC-AD7D-1D53250D1707}"/>
+                <a16:creationId xmlns:a16="http://schemas.microsoft.com/office/drawing/2014/main" id="{AE51B383-C500-F49B-1646-C6766752A9A9}"/>
               </a:ext>
             </a:extLst>
           </p:cNvPr>
@@ -306,7 +306,7 @@
           <a:bodyPr/>
           <a:lstStyle/>
           <a:p>
-            <a:fld id="{969C87D2-23A5-48A0-9169-0DDDA8FB1AB3}" type="slidenum">
+            <a:fld id="{D29FF449-7D37-4DD0-A773-653F47BF8B8A}" type="slidenum">
               <a:rPr lang="zh-CN" altLang="en-US" smtClean="0"/>
               <a:t>‹#›</a:t>
             </a:fld>
@@ -317,7 +317,7 @@
     </p:spTree>
     <p:extLst>
       <p:ext uri="{BB962C8B-B14F-4D97-AF65-F5344CB8AC3E}">
-        <p14:creationId xmlns:p14="http://schemas.microsoft.com/office/powerpoint/2010/main" val="2023816864"/>
+        <p14:creationId xmlns:p14="http://schemas.microsoft.com/office/powerpoint/2010/main" val="1569232202"/>
       </p:ext>
     </p:extLst>
   </p:cSld>
@@ -349,7 +349,7 @@
           <p:cNvPr id="2" name="标题 1">
             <a:extLst>
               <a:ext uri="{FF2B5EF4-FFF2-40B4-BE49-F238E27FC236}">
-                <a16:creationId xmlns:a16="http://schemas.microsoft.com/office/drawing/2014/main" id="{9EB4D31A-CA37-912F-070B-A02724CD639D}"/>
+                <a16:creationId xmlns:a16="http://schemas.microsoft.com/office/drawing/2014/main" id="{3DB72C04-827A-FC7E-64D0-627D95E99B5F}"/>
               </a:ext>
             </a:extLst>
           </p:cNvPr>
@@ -377,7 +377,7 @@
           <p:cNvPr id="3" name="竖排文字占位符 2">
             <a:extLst>
               <a:ext uri="{FF2B5EF4-FFF2-40B4-BE49-F238E27FC236}">
-                <a16:creationId xmlns:a16="http://schemas.microsoft.com/office/drawing/2014/main" id="{0CE79837-D600-1FA0-15CE-615BE97ECA6E}"/>
+                <a16:creationId xmlns:a16="http://schemas.microsoft.com/office/drawing/2014/main" id="{D4757555-C926-67F8-8FEF-1F0DA0A96D35}"/>
               </a:ext>
             </a:extLst>
           </p:cNvPr>
@@ -434,7 +434,7 @@
           <p:cNvPr id="4" name="日期占位符 3">
             <a:extLst>
               <a:ext uri="{FF2B5EF4-FFF2-40B4-BE49-F238E27FC236}">
-                <a16:creationId xmlns:a16="http://schemas.microsoft.com/office/drawing/2014/main" id="{8A8420EB-3575-4D5E-C5CB-269BED5A71EC}"/>
+                <a16:creationId xmlns:a16="http://schemas.microsoft.com/office/drawing/2014/main" id="{43BAA24A-09A3-174B-60B3-33B45E6EFBE5}"/>
               </a:ext>
             </a:extLst>
           </p:cNvPr>
@@ -450,7 +450,7 @@
           <a:bodyPr/>
           <a:lstStyle/>
           <a:p>
-            <a:fld id="{931292E8-0182-4F6A-A6D6-AA4322D415DA}" type="datetimeFigureOut">
+            <a:fld id="{7FA305C4-3DC0-47BB-B9EB-61C3FF20102E}" type="datetimeFigureOut">
               <a:rPr lang="zh-CN" altLang="en-US" smtClean="0"/>
               <a:t>2024/3/10</a:t>
             </a:fld>
@@ -463,7 +463,7 @@
           <p:cNvPr id="5" name="页脚占位符 4">
             <a:extLst>
               <a:ext uri="{FF2B5EF4-FFF2-40B4-BE49-F238E27FC236}">
-                <a16:creationId xmlns:a16="http://schemas.microsoft.com/office/drawing/2014/main" id="{5D57774C-747D-2E43-169A-4D396B53236A}"/>
+                <a16:creationId xmlns:a16="http://schemas.microsoft.com/office/drawing/2014/main" id="{5516E272-E464-F5DB-F0EC-DFC34F45C807}"/>
               </a:ext>
             </a:extLst>
           </p:cNvPr>
@@ -488,7 +488,7 @@
           <p:cNvPr id="6" name="灯片编号占位符 5">
             <a:extLst>
               <a:ext uri="{FF2B5EF4-FFF2-40B4-BE49-F238E27FC236}">
-                <a16:creationId xmlns:a16="http://schemas.microsoft.com/office/drawing/2014/main" id="{8B8C24E8-098C-58B0-B496-1A0FF40B52A5}"/>
+                <a16:creationId xmlns:a16="http://schemas.microsoft.com/office/drawing/2014/main" id="{A5790D1B-C067-AF18-0F6A-87EC2A79D1B6}"/>
               </a:ext>
             </a:extLst>
           </p:cNvPr>
@@ -504,7 +504,7 @@
           <a:bodyPr/>
           <a:lstStyle/>
           <a:p>
-            <a:fld id="{969C87D2-23A5-48A0-9169-0DDDA8FB1AB3}" type="slidenum">
+            <a:fld id="{D29FF449-7D37-4DD0-A773-653F47BF8B8A}" type="slidenum">
               <a:rPr lang="zh-CN" altLang="en-US" smtClean="0"/>
               <a:t>‹#›</a:t>
             </a:fld>
@@ -515,7 +515,7 @@
     </p:spTree>
     <p:extLst>
       <p:ext uri="{BB962C8B-B14F-4D97-AF65-F5344CB8AC3E}">
-        <p14:creationId xmlns:p14="http://schemas.microsoft.com/office/powerpoint/2010/main" val="2587169971"/>
+        <p14:creationId xmlns:p14="http://schemas.microsoft.com/office/powerpoint/2010/main" val="4163322002"/>
       </p:ext>
     </p:extLst>
   </p:cSld>
@@ -547,7 +547,7 @@
           <p:cNvPr id="2" name="竖排标题 1">
             <a:extLst>
               <a:ext uri="{FF2B5EF4-FFF2-40B4-BE49-F238E27FC236}">
-                <a16:creationId xmlns:a16="http://schemas.microsoft.com/office/drawing/2014/main" id="{0280366E-A85D-9EB7-FA45-1930AFF1D158}"/>
+                <a16:creationId xmlns:a16="http://schemas.microsoft.com/office/drawing/2014/main" id="{58EFD9FB-0B4A-5EA0-F05B-6EC0F7D74409}"/>
               </a:ext>
             </a:extLst>
           </p:cNvPr>
@@ -580,7 +580,7 @@
           <p:cNvPr id="3" name="竖排文字占位符 2">
             <a:extLst>
               <a:ext uri="{FF2B5EF4-FFF2-40B4-BE49-F238E27FC236}">
-                <a16:creationId xmlns:a16="http://schemas.microsoft.com/office/drawing/2014/main" id="{9CCF5E5D-0E61-0B6B-5334-D852A9267238}"/>
+                <a16:creationId xmlns:a16="http://schemas.microsoft.com/office/drawing/2014/main" id="{A6E55AFE-B79E-3A29-33B5-3A717AFF96B4}"/>
               </a:ext>
             </a:extLst>
           </p:cNvPr>
@@ -642,7 +642,7 @@
           <p:cNvPr id="4" name="日期占位符 3">
             <a:extLst>
               <a:ext uri="{FF2B5EF4-FFF2-40B4-BE49-F238E27FC236}">
-                <a16:creationId xmlns:a16="http://schemas.microsoft.com/office/drawing/2014/main" id="{D1E19B52-5CD3-62F1-ACEF-A10D6B502309}"/>
+                <a16:creationId xmlns:a16="http://schemas.microsoft.com/office/drawing/2014/main" id="{EAC672E7-2E18-42D1-10CE-FDC7A0494AFB}"/>
               </a:ext>
             </a:extLst>
           </p:cNvPr>
@@ -658,7 +658,7 @@
           <a:bodyPr/>
           <a:lstStyle/>
           <a:p>
-            <a:fld id="{931292E8-0182-4F6A-A6D6-AA4322D415DA}" type="datetimeFigureOut">
+            <a:fld id="{7FA305C4-3DC0-47BB-B9EB-61C3FF20102E}" type="datetimeFigureOut">
               <a:rPr lang="zh-CN" altLang="en-US" smtClean="0"/>
               <a:t>2024/3/10</a:t>
             </a:fld>
@@ -671,7 +671,7 @@
           <p:cNvPr id="5" name="页脚占位符 4">
             <a:extLst>
               <a:ext uri="{FF2B5EF4-FFF2-40B4-BE49-F238E27FC236}">
-                <a16:creationId xmlns:a16="http://schemas.microsoft.com/office/drawing/2014/main" id="{BEA42700-1319-17EE-B4ED-CECA36F469C0}"/>
+                <a16:creationId xmlns:a16="http://schemas.microsoft.com/office/drawing/2014/main" id="{1C8A0849-99C1-BE79-2931-3849DBCEAF7D}"/>
               </a:ext>
             </a:extLst>
           </p:cNvPr>
@@ -696,7 +696,7 @@
           <p:cNvPr id="6" name="灯片编号占位符 5">
             <a:extLst>
               <a:ext uri="{FF2B5EF4-FFF2-40B4-BE49-F238E27FC236}">
-                <a16:creationId xmlns:a16="http://schemas.microsoft.com/office/drawing/2014/main" id="{4F92ACD9-BC07-5CCA-5BED-C9AF1C8B992A}"/>
+                <a16:creationId xmlns:a16="http://schemas.microsoft.com/office/drawing/2014/main" id="{9DE09605-D898-9105-7C17-5EB82DD263C5}"/>
               </a:ext>
             </a:extLst>
           </p:cNvPr>
@@ -712,7 +712,7 @@
           <a:bodyPr/>
           <a:lstStyle/>
           <a:p>
-            <a:fld id="{969C87D2-23A5-48A0-9169-0DDDA8FB1AB3}" type="slidenum">
+            <a:fld id="{D29FF449-7D37-4DD0-A773-653F47BF8B8A}" type="slidenum">
               <a:rPr lang="zh-CN" altLang="en-US" smtClean="0"/>
               <a:t>‹#›</a:t>
             </a:fld>
@@ -723,7 +723,7 @@
     </p:spTree>
     <p:extLst>
       <p:ext uri="{BB962C8B-B14F-4D97-AF65-F5344CB8AC3E}">
-        <p14:creationId xmlns:p14="http://schemas.microsoft.com/office/powerpoint/2010/main" val="3907955384"/>
+        <p14:creationId xmlns:p14="http://schemas.microsoft.com/office/powerpoint/2010/main" val="1246051830"/>
       </p:ext>
     </p:extLst>
   </p:cSld>
@@ -755,7 +755,7 @@
           <p:cNvPr id="2" name="标题 1">
             <a:extLst>
               <a:ext uri="{FF2B5EF4-FFF2-40B4-BE49-F238E27FC236}">
-                <a16:creationId xmlns:a16="http://schemas.microsoft.com/office/drawing/2014/main" id="{05C123B0-4ECF-1822-4164-81741C11FA33}"/>
+                <a16:creationId xmlns:a16="http://schemas.microsoft.com/office/drawing/2014/main" id="{82F3EF85-A4C3-D986-9ED7-B9F460753FA5}"/>
               </a:ext>
             </a:extLst>
           </p:cNvPr>
@@ -783,7 +783,7 @@
           <p:cNvPr id="3" name="内容占位符 2">
             <a:extLst>
               <a:ext uri="{FF2B5EF4-FFF2-40B4-BE49-F238E27FC236}">
-                <a16:creationId xmlns:a16="http://schemas.microsoft.com/office/drawing/2014/main" id="{0575BAED-11A3-EC20-4C55-EAF16365BEA8}"/>
+                <a16:creationId xmlns:a16="http://schemas.microsoft.com/office/drawing/2014/main" id="{D0CE2349-1DF3-9CBE-FE16-66B3D08C032E}"/>
               </a:ext>
             </a:extLst>
           </p:cNvPr>
@@ -840,7 +840,7 @@
           <p:cNvPr id="4" name="日期占位符 3">
             <a:extLst>
               <a:ext uri="{FF2B5EF4-FFF2-40B4-BE49-F238E27FC236}">
-                <a16:creationId xmlns:a16="http://schemas.microsoft.com/office/drawing/2014/main" id="{8C8A84B6-D645-A41B-E0A8-BEF2AA4577A9}"/>
+                <a16:creationId xmlns:a16="http://schemas.microsoft.com/office/drawing/2014/main" id="{718DB962-4AC4-BF00-0492-8D76AA266F6B}"/>
               </a:ext>
             </a:extLst>
           </p:cNvPr>
@@ -856,7 +856,7 @@
           <a:bodyPr/>
           <a:lstStyle/>
           <a:p>
-            <a:fld id="{931292E8-0182-4F6A-A6D6-AA4322D415DA}" type="datetimeFigureOut">
+            <a:fld id="{7FA305C4-3DC0-47BB-B9EB-61C3FF20102E}" type="datetimeFigureOut">
               <a:rPr lang="zh-CN" altLang="en-US" smtClean="0"/>
               <a:t>2024/3/10</a:t>
             </a:fld>
@@ -869,7 +869,7 @@
           <p:cNvPr id="5" name="页脚占位符 4">
             <a:extLst>
               <a:ext uri="{FF2B5EF4-FFF2-40B4-BE49-F238E27FC236}">
-                <a16:creationId xmlns:a16="http://schemas.microsoft.com/office/drawing/2014/main" id="{F2DA3DAF-D3FE-ABDD-FC59-42E9A11EDD3A}"/>
+                <a16:creationId xmlns:a16="http://schemas.microsoft.com/office/drawing/2014/main" id="{C66BDEE9-8AAF-233C-3A9F-7A027FFEA599}"/>
               </a:ext>
             </a:extLst>
           </p:cNvPr>
@@ -894,7 +894,7 @@
           <p:cNvPr id="6" name="灯片编号占位符 5">
             <a:extLst>
               <a:ext uri="{FF2B5EF4-FFF2-40B4-BE49-F238E27FC236}">
-                <a16:creationId xmlns:a16="http://schemas.microsoft.com/office/drawing/2014/main" id="{BA9F0656-BF1A-2D33-8FF7-3DF6EE26EF39}"/>
+                <a16:creationId xmlns:a16="http://schemas.microsoft.com/office/drawing/2014/main" id="{6F5FE576-81E8-6362-8188-48D31395BAAA}"/>
               </a:ext>
             </a:extLst>
           </p:cNvPr>
@@ -910,7 +910,7 @@
           <a:bodyPr/>
           <a:lstStyle/>
           <a:p>
-            <a:fld id="{969C87D2-23A5-48A0-9169-0DDDA8FB1AB3}" type="slidenum">
+            <a:fld id="{D29FF449-7D37-4DD0-A773-653F47BF8B8A}" type="slidenum">
               <a:rPr lang="zh-CN" altLang="en-US" smtClean="0"/>
               <a:t>‹#›</a:t>
             </a:fld>
@@ -921,7 +921,7 @@
     </p:spTree>
     <p:extLst>
       <p:ext uri="{BB962C8B-B14F-4D97-AF65-F5344CB8AC3E}">
-        <p14:creationId xmlns:p14="http://schemas.microsoft.com/office/powerpoint/2010/main" val="80049115"/>
+        <p14:creationId xmlns:p14="http://schemas.microsoft.com/office/powerpoint/2010/main" val="58226747"/>
       </p:ext>
     </p:extLst>
   </p:cSld>
@@ -953,7 +953,7 @@
           <p:cNvPr id="2" name="标题 1">
             <a:extLst>
               <a:ext uri="{FF2B5EF4-FFF2-40B4-BE49-F238E27FC236}">
-                <a16:creationId xmlns:a16="http://schemas.microsoft.com/office/drawing/2014/main" id="{7EC121A6-A6E6-35FE-19E4-5878DF65F63F}"/>
+                <a16:creationId xmlns:a16="http://schemas.microsoft.com/office/drawing/2014/main" id="{DA829281-3741-69BF-870F-9B7BCF724DFC}"/>
               </a:ext>
             </a:extLst>
           </p:cNvPr>
@@ -990,7 +990,7 @@
           <p:cNvPr id="3" name="文本占位符 2">
             <a:extLst>
               <a:ext uri="{FF2B5EF4-FFF2-40B4-BE49-F238E27FC236}">
-                <a16:creationId xmlns:a16="http://schemas.microsoft.com/office/drawing/2014/main" id="{E88B7F76-694F-E853-AF2A-DFCC2A547E19}"/>
+                <a16:creationId xmlns:a16="http://schemas.microsoft.com/office/drawing/2014/main" id="{52A326F1-9EF1-0302-1E50-3CAB54216EA3}"/>
               </a:ext>
             </a:extLst>
           </p:cNvPr>
@@ -1115,7 +1115,7 @@
           <p:cNvPr id="4" name="日期占位符 3">
             <a:extLst>
               <a:ext uri="{FF2B5EF4-FFF2-40B4-BE49-F238E27FC236}">
-                <a16:creationId xmlns:a16="http://schemas.microsoft.com/office/drawing/2014/main" id="{AC45671B-372E-A206-DE55-BDF636559DCF}"/>
+                <a16:creationId xmlns:a16="http://schemas.microsoft.com/office/drawing/2014/main" id="{E47DEAC1-A367-6C49-0110-44020F810BFC}"/>
               </a:ext>
             </a:extLst>
           </p:cNvPr>
@@ -1131,7 +1131,7 @@
           <a:bodyPr/>
           <a:lstStyle/>
           <a:p>
-            <a:fld id="{931292E8-0182-4F6A-A6D6-AA4322D415DA}" type="datetimeFigureOut">
+            <a:fld id="{7FA305C4-3DC0-47BB-B9EB-61C3FF20102E}" type="datetimeFigureOut">
               <a:rPr lang="zh-CN" altLang="en-US" smtClean="0"/>
               <a:t>2024/3/10</a:t>
             </a:fld>
@@ -1144,7 +1144,7 @@
           <p:cNvPr id="5" name="页脚占位符 4">
             <a:extLst>
               <a:ext uri="{FF2B5EF4-FFF2-40B4-BE49-F238E27FC236}">
-                <a16:creationId xmlns:a16="http://schemas.microsoft.com/office/drawing/2014/main" id="{7EE0FEFC-ADD3-1F89-B594-423EBCD07ADB}"/>
+                <a16:creationId xmlns:a16="http://schemas.microsoft.com/office/drawing/2014/main" id="{8014CD6C-C6C0-6635-2F1F-9483ACE585EB}"/>
               </a:ext>
             </a:extLst>
           </p:cNvPr>
@@ -1169,7 +1169,7 @@
           <p:cNvPr id="6" name="灯片编号占位符 5">
             <a:extLst>
               <a:ext uri="{FF2B5EF4-FFF2-40B4-BE49-F238E27FC236}">
-                <a16:creationId xmlns:a16="http://schemas.microsoft.com/office/drawing/2014/main" id="{FDA7A6D9-3E6A-234D-B761-6F83EA087F63}"/>
+                <a16:creationId xmlns:a16="http://schemas.microsoft.com/office/drawing/2014/main" id="{F8D54D87-4351-FF96-1E65-D22EBA1BFA99}"/>
               </a:ext>
             </a:extLst>
           </p:cNvPr>
@@ -1185,7 +1185,7 @@
           <a:bodyPr/>
           <a:lstStyle/>
           <a:p>
-            <a:fld id="{969C87D2-23A5-48A0-9169-0DDDA8FB1AB3}" type="slidenum">
+            <a:fld id="{D29FF449-7D37-4DD0-A773-653F47BF8B8A}" type="slidenum">
               <a:rPr lang="zh-CN" altLang="en-US" smtClean="0"/>
               <a:t>‹#›</a:t>
             </a:fld>
@@ -1196,7 +1196,7 @@
     </p:spTree>
     <p:extLst>
       <p:ext uri="{BB962C8B-B14F-4D97-AF65-F5344CB8AC3E}">
-        <p14:creationId xmlns:p14="http://schemas.microsoft.com/office/powerpoint/2010/main" val="3471573829"/>
+        <p14:creationId xmlns:p14="http://schemas.microsoft.com/office/powerpoint/2010/main" val="2349140514"/>
       </p:ext>
     </p:extLst>
   </p:cSld>
@@ -1228,7 +1228,7 @@
           <p:cNvPr id="2" name="标题 1">
             <a:extLst>
               <a:ext uri="{FF2B5EF4-FFF2-40B4-BE49-F238E27FC236}">
-                <a16:creationId xmlns:a16="http://schemas.microsoft.com/office/drawing/2014/main" id="{9CB9A4BD-CDE7-84EF-C33C-C9CD62219DBD}"/>
+                <a16:creationId xmlns:a16="http://schemas.microsoft.com/office/drawing/2014/main" id="{AEFBDE9A-DF1F-9B49-F205-5F1F22A474E2}"/>
               </a:ext>
             </a:extLst>
           </p:cNvPr>
@@ -1256,7 +1256,7 @@
           <p:cNvPr id="3" name="内容占位符 2">
             <a:extLst>
               <a:ext uri="{FF2B5EF4-FFF2-40B4-BE49-F238E27FC236}">
-                <a16:creationId xmlns:a16="http://schemas.microsoft.com/office/drawing/2014/main" id="{79CFCB51-AD27-C080-CA0F-52D50F057981}"/>
+                <a16:creationId xmlns:a16="http://schemas.microsoft.com/office/drawing/2014/main" id="{6034B7D4-F605-DECD-D110-BBC0B4F376B5}"/>
               </a:ext>
             </a:extLst>
           </p:cNvPr>
@@ -1318,7 +1318,7 @@
           <p:cNvPr id="4" name="内容占位符 3">
             <a:extLst>
               <a:ext uri="{FF2B5EF4-FFF2-40B4-BE49-F238E27FC236}">
-                <a16:creationId xmlns:a16="http://schemas.microsoft.com/office/drawing/2014/main" id="{56DF3520-8C44-464F-D6A6-F13BC54DE00A}"/>
+                <a16:creationId xmlns:a16="http://schemas.microsoft.com/office/drawing/2014/main" id="{361C478F-2BD0-865F-8874-B34B9638AE49}"/>
               </a:ext>
             </a:extLst>
           </p:cNvPr>
@@ -1380,7 +1380,7 @@
           <p:cNvPr id="5" name="日期占位符 4">
             <a:extLst>
               <a:ext uri="{FF2B5EF4-FFF2-40B4-BE49-F238E27FC236}">
-                <a16:creationId xmlns:a16="http://schemas.microsoft.com/office/drawing/2014/main" id="{204E48A8-DB51-CA2B-A8E8-A2C19162E930}"/>
+                <a16:creationId xmlns:a16="http://schemas.microsoft.com/office/drawing/2014/main" id="{7B19D17E-78BF-9799-739D-A53664F34C77}"/>
               </a:ext>
             </a:extLst>
           </p:cNvPr>
@@ -1396,7 +1396,7 @@
           <a:bodyPr/>
           <a:lstStyle/>
           <a:p>
-            <a:fld id="{931292E8-0182-4F6A-A6D6-AA4322D415DA}" type="datetimeFigureOut">
+            <a:fld id="{7FA305C4-3DC0-47BB-B9EB-61C3FF20102E}" type="datetimeFigureOut">
               <a:rPr lang="zh-CN" altLang="en-US" smtClean="0"/>
               <a:t>2024/3/10</a:t>
             </a:fld>
@@ -1409,7 +1409,7 @@
           <p:cNvPr id="6" name="页脚占位符 5">
             <a:extLst>
               <a:ext uri="{FF2B5EF4-FFF2-40B4-BE49-F238E27FC236}">
-                <a16:creationId xmlns:a16="http://schemas.microsoft.com/office/drawing/2014/main" id="{A163F6E4-6DE1-D8F5-8E26-2ED911321941}"/>
+                <a16:creationId xmlns:a16="http://schemas.microsoft.com/office/drawing/2014/main" id="{CE9F5D84-1EE2-6CEE-4870-50021702D0A4}"/>
               </a:ext>
             </a:extLst>
           </p:cNvPr>
@@ -1434,7 +1434,7 @@
           <p:cNvPr id="7" name="灯片编号占位符 6">
             <a:extLst>
               <a:ext uri="{FF2B5EF4-FFF2-40B4-BE49-F238E27FC236}">
-                <a16:creationId xmlns:a16="http://schemas.microsoft.com/office/drawing/2014/main" id="{71020794-157A-B3D9-2751-5726705516BB}"/>
+                <a16:creationId xmlns:a16="http://schemas.microsoft.com/office/drawing/2014/main" id="{953A53BA-C512-F2A6-9787-847B0E988B11}"/>
               </a:ext>
             </a:extLst>
           </p:cNvPr>
@@ -1450,7 +1450,7 @@
           <a:bodyPr/>
           <a:lstStyle/>
           <a:p>
-            <a:fld id="{969C87D2-23A5-48A0-9169-0DDDA8FB1AB3}" type="slidenum">
+            <a:fld id="{D29FF449-7D37-4DD0-A773-653F47BF8B8A}" type="slidenum">
               <a:rPr lang="zh-CN" altLang="en-US" smtClean="0"/>
               <a:t>‹#›</a:t>
             </a:fld>
@@ -1461,7 +1461,7 @@
     </p:spTree>
     <p:extLst>
       <p:ext uri="{BB962C8B-B14F-4D97-AF65-F5344CB8AC3E}">
-        <p14:creationId xmlns:p14="http://schemas.microsoft.com/office/powerpoint/2010/main" val="3441864110"/>
+        <p14:creationId xmlns:p14="http://schemas.microsoft.com/office/powerpoint/2010/main" val="126307673"/>
       </p:ext>
     </p:extLst>
   </p:cSld>
@@ -1493,7 +1493,7 @@
           <p:cNvPr id="2" name="标题 1">
             <a:extLst>
               <a:ext uri="{FF2B5EF4-FFF2-40B4-BE49-F238E27FC236}">
-                <a16:creationId xmlns:a16="http://schemas.microsoft.com/office/drawing/2014/main" id="{51BC0E06-31FF-3684-BFA5-240479B6A2C0}"/>
+                <a16:creationId xmlns:a16="http://schemas.microsoft.com/office/drawing/2014/main" id="{A0989416-FAFB-7CD6-A0CD-1522A441B682}"/>
               </a:ext>
             </a:extLst>
           </p:cNvPr>
@@ -1526,7 +1526,7 @@
           <p:cNvPr id="3" name="文本占位符 2">
             <a:extLst>
               <a:ext uri="{FF2B5EF4-FFF2-40B4-BE49-F238E27FC236}">
-                <a16:creationId xmlns:a16="http://schemas.microsoft.com/office/drawing/2014/main" id="{E4DD1070-EFCF-BE09-CA66-A7C9ED7610E0}"/>
+                <a16:creationId xmlns:a16="http://schemas.microsoft.com/office/drawing/2014/main" id="{08ECBAE0-0138-0C67-6BD9-9AD7A71D34B3}"/>
               </a:ext>
             </a:extLst>
           </p:cNvPr>
@@ -1597,7 +1597,7 @@
           <p:cNvPr id="4" name="内容占位符 3">
             <a:extLst>
               <a:ext uri="{FF2B5EF4-FFF2-40B4-BE49-F238E27FC236}">
-                <a16:creationId xmlns:a16="http://schemas.microsoft.com/office/drawing/2014/main" id="{74F1E9F9-C69A-388F-52E8-FDB4EB1CF434}"/>
+                <a16:creationId xmlns:a16="http://schemas.microsoft.com/office/drawing/2014/main" id="{35AFDBE2-12DE-4CB3-BC10-A8F8F25BB439}"/>
               </a:ext>
             </a:extLst>
           </p:cNvPr>
@@ -1659,7 +1659,7 @@
           <p:cNvPr id="5" name="文本占位符 4">
             <a:extLst>
               <a:ext uri="{FF2B5EF4-FFF2-40B4-BE49-F238E27FC236}">
-                <a16:creationId xmlns:a16="http://schemas.microsoft.com/office/drawing/2014/main" id="{A4D2FEA3-2F4B-3F69-9C35-3A26C45C02A2}"/>
+                <a16:creationId xmlns:a16="http://schemas.microsoft.com/office/drawing/2014/main" id="{2395E254-7C95-79BC-6E95-315B01B7A7B1}"/>
               </a:ext>
             </a:extLst>
           </p:cNvPr>
@@ -1730,7 +1730,7 @@
           <p:cNvPr id="6" name="内容占位符 5">
             <a:extLst>
               <a:ext uri="{FF2B5EF4-FFF2-40B4-BE49-F238E27FC236}">
-                <a16:creationId xmlns:a16="http://schemas.microsoft.com/office/drawing/2014/main" id="{859CCA4C-4E76-8DF8-3822-567651C6FF96}"/>
+                <a16:creationId xmlns:a16="http://schemas.microsoft.com/office/drawing/2014/main" id="{3FCE8ABB-D93A-9819-5B36-116D873E2287}"/>
               </a:ext>
             </a:extLst>
           </p:cNvPr>
@@ -1792,7 +1792,7 @@
           <p:cNvPr id="7" name="日期占位符 6">
             <a:extLst>
               <a:ext uri="{FF2B5EF4-FFF2-40B4-BE49-F238E27FC236}">
-                <a16:creationId xmlns:a16="http://schemas.microsoft.com/office/drawing/2014/main" id="{D5532C58-CC35-5B05-247B-8D4B69D40D5F}"/>
+                <a16:creationId xmlns:a16="http://schemas.microsoft.com/office/drawing/2014/main" id="{B7E6EAB3-1E39-DB0D-D900-287D30771C4A}"/>
               </a:ext>
             </a:extLst>
           </p:cNvPr>
@@ -1808,7 +1808,7 @@
           <a:bodyPr/>
           <a:lstStyle/>
           <a:p>
-            <a:fld id="{931292E8-0182-4F6A-A6D6-AA4322D415DA}" type="datetimeFigureOut">
+            <a:fld id="{7FA305C4-3DC0-47BB-B9EB-61C3FF20102E}" type="datetimeFigureOut">
               <a:rPr lang="zh-CN" altLang="en-US" smtClean="0"/>
               <a:t>2024/3/10</a:t>
             </a:fld>
@@ -1821,7 +1821,7 @@
           <p:cNvPr id="8" name="页脚占位符 7">
             <a:extLst>
               <a:ext uri="{FF2B5EF4-FFF2-40B4-BE49-F238E27FC236}">
-                <a16:creationId xmlns:a16="http://schemas.microsoft.com/office/drawing/2014/main" id="{39B14A2B-8B48-6905-E39F-FFCE0C779AC5}"/>
+                <a16:creationId xmlns:a16="http://schemas.microsoft.com/office/drawing/2014/main" id="{20003850-A02B-FBDB-F4C4-283B9B679802}"/>
               </a:ext>
             </a:extLst>
           </p:cNvPr>
@@ -1846,7 +1846,7 @@
           <p:cNvPr id="9" name="灯片编号占位符 8">
             <a:extLst>
               <a:ext uri="{FF2B5EF4-FFF2-40B4-BE49-F238E27FC236}">
-                <a16:creationId xmlns:a16="http://schemas.microsoft.com/office/drawing/2014/main" id="{38630AAC-F479-20E0-F943-6069A2351292}"/>
+                <a16:creationId xmlns:a16="http://schemas.microsoft.com/office/drawing/2014/main" id="{8D2F3C73-9F83-B705-B85F-EBDA0FA7F9C6}"/>
               </a:ext>
             </a:extLst>
           </p:cNvPr>
@@ -1862,7 +1862,7 @@
           <a:bodyPr/>
           <a:lstStyle/>
           <a:p>
-            <a:fld id="{969C87D2-23A5-48A0-9169-0DDDA8FB1AB3}" type="slidenum">
+            <a:fld id="{D29FF449-7D37-4DD0-A773-653F47BF8B8A}" type="slidenum">
               <a:rPr lang="zh-CN" altLang="en-US" smtClean="0"/>
               <a:t>‹#›</a:t>
             </a:fld>
@@ -1873,7 +1873,7 @@
     </p:spTree>
     <p:extLst>
       <p:ext uri="{BB962C8B-B14F-4D97-AF65-F5344CB8AC3E}">
-        <p14:creationId xmlns:p14="http://schemas.microsoft.com/office/powerpoint/2010/main" val="3735844326"/>
+        <p14:creationId xmlns:p14="http://schemas.microsoft.com/office/powerpoint/2010/main" val="3019532774"/>
       </p:ext>
     </p:extLst>
   </p:cSld>
@@ -1905,7 +1905,7 @@
           <p:cNvPr id="2" name="标题 1">
             <a:extLst>
               <a:ext uri="{FF2B5EF4-FFF2-40B4-BE49-F238E27FC236}">
-                <a16:creationId xmlns:a16="http://schemas.microsoft.com/office/drawing/2014/main" id="{2826E0BD-C201-E1AA-B181-24D19622ABDA}"/>
+                <a16:creationId xmlns:a16="http://schemas.microsoft.com/office/drawing/2014/main" id="{D76517C0-2601-31BC-F950-D9092D8CC84F}"/>
               </a:ext>
             </a:extLst>
           </p:cNvPr>
@@ -1933,7 +1933,7 @@
           <p:cNvPr id="3" name="日期占位符 2">
             <a:extLst>
               <a:ext uri="{FF2B5EF4-FFF2-40B4-BE49-F238E27FC236}">
-                <a16:creationId xmlns:a16="http://schemas.microsoft.com/office/drawing/2014/main" id="{04E3865B-33FE-28B5-D3BF-D1CE030A86F4}"/>
+                <a16:creationId xmlns:a16="http://schemas.microsoft.com/office/drawing/2014/main" id="{95FAEBB0-DCDF-B9C0-1E36-599F39D48502}"/>
               </a:ext>
             </a:extLst>
           </p:cNvPr>
@@ -1949,7 +1949,7 @@
           <a:bodyPr/>
           <a:lstStyle/>
           <a:p>
-            <a:fld id="{931292E8-0182-4F6A-A6D6-AA4322D415DA}" type="datetimeFigureOut">
+            <a:fld id="{7FA305C4-3DC0-47BB-B9EB-61C3FF20102E}" type="datetimeFigureOut">
               <a:rPr lang="zh-CN" altLang="en-US" smtClean="0"/>
               <a:t>2024/3/10</a:t>
             </a:fld>
@@ -1962,7 +1962,7 @@
           <p:cNvPr id="4" name="页脚占位符 3">
             <a:extLst>
               <a:ext uri="{FF2B5EF4-FFF2-40B4-BE49-F238E27FC236}">
-                <a16:creationId xmlns:a16="http://schemas.microsoft.com/office/drawing/2014/main" id="{8FED4AFA-B76E-77AB-8B7E-B043E06F001B}"/>
+                <a16:creationId xmlns:a16="http://schemas.microsoft.com/office/drawing/2014/main" id="{CF5A32FA-03F1-9727-2CF6-4553D9328E38}"/>
               </a:ext>
             </a:extLst>
           </p:cNvPr>
@@ -1987,7 +1987,7 @@
           <p:cNvPr id="5" name="灯片编号占位符 4">
             <a:extLst>
               <a:ext uri="{FF2B5EF4-FFF2-40B4-BE49-F238E27FC236}">
-                <a16:creationId xmlns:a16="http://schemas.microsoft.com/office/drawing/2014/main" id="{C8727E6D-F87F-1D4A-6796-117737B4C918}"/>
+                <a16:creationId xmlns:a16="http://schemas.microsoft.com/office/drawing/2014/main" id="{04077B6B-915A-8BCC-7EF4-5E3D8026C7B2}"/>
               </a:ext>
             </a:extLst>
           </p:cNvPr>
@@ -2003,7 +2003,7 @@
           <a:bodyPr/>
           <a:lstStyle/>
           <a:p>
-            <a:fld id="{969C87D2-23A5-48A0-9169-0DDDA8FB1AB3}" type="slidenum">
+            <a:fld id="{D29FF449-7D37-4DD0-A773-653F47BF8B8A}" type="slidenum">
               <a:rPr lang="zh-CN" altLang="en-US" smtClean="0"/>
               <a:t>‹#›</a:t>
             </a:fld>
@@ -2014,7 +2014,7 @@
     </p:spTree>
     <p:extLst>
       <p:ext uri="{BB962C8B-B14F-4D97-AF65-F5344CB8AC3E}">
-        <p14:creationId xmlns:p14="http://schemas.microsoft.com/office/powerpoint/2010/main" val="1267514592"/>
+        <p14:creationId xmlns:p14="http://schemas.microsoft.com/office/powerpoint/2010/main" val="1780797268"/>
       </p:ext>
     </p:extLst>
   </p:cSld>
@@ -2046,7 +2046,7 @@
           <p:cNvPr id="2" name="日期占位符 1">
             <a:extLst>
               <a:ext uri="{FF2B5EF4-FFF2-40B4-BE49-F238E27FC236}">
-                <a16:creationId xmlns:a16="http://schemas.microsoft.com/office/drawing/2014/main" id="{E691A075-05DC-BC6A-6D63-F388AF13CFF8}"/>
+                <a16:creationId xmlns:a16="http://schemas.microsoft.com/office/drawing/2014/main" id="{3C519872-CEE4-2268-D3B3-DCE89207D305}"/>
               </a:ext>
             </a:extLst>
           </p:cNvPr>
@@ -2062,7 +2062,7 @@
           <a:bodyPr/>
           <a:lstStyle/>
           <a:p>
-            <a:fld id="{931292E8-0182-4F6A-A6D6-AA4322D415DA}" type="datetimeFigureOut">
+            <a:fld id="{7FA305C4-3DC0-47BB-B9EB-61C3FF20102E}" type="datetimeFigureOut">
               <a:rPr lang="zh-CN" altLang="en-US" smtClean="0"/>
               <a:t>2024/3/10</a:t>
             </a:fld>
@@ -2075,7 +2075,7 @@
           <p:cNvPr id="3" name="页脚占位符 2">
             <a:extLst>
               <a:ext uri="{FF2B5EF4-FFF2-40B4-BE49-F238E27FC236}">
-                <a16:creationId xmlns:a16="http://schemas.microsoft.com/office/drawing/2014/main" id="{A667552D-AAD5-06F1-E648-BCF28C9B9D01}"/>
+                <a16:creationId xmlns:a16="http://schemas.microsoft.com/office/drawing/2014/main" id="{85D3A159-136C-65B6-2A96-DA92F93E6BAC}"/>
               </a:ext>
             </a:extLst>
           </p:cNvPr>
@@ -2100,7 +2100,7 @@
           <p:cNvPr id="4" name="灯片编号占位符 3">
             <a:extLst>
               <a:ext uri="{FF2B5EF4-FFF2-40B4-BE49-F238E27FC236}">
-                <a16:creationId xmlns:a16="http://schemas.microsoft.com/office/drawing/2014/main" id="{5F0E76C0-E3A8-514A-F478-C2EDCF7BAD95}"/>
+                <a16:creationId xmlns:a16="http://schemas.microsoft.com/office/drawing/2014/main" id="{7A09FDEA-4C86-7AE8-B9AC-08F476963D85}"/>
               </a:ext>
             </a:extLst>
           </p:cNvPr>
@@ -2116,7 +2116,7 @@
           <a:bodyPr/>
           <a:lstStyle/>
           <a:p>
-            <a:fld id="{969C87D2-23A5-48A0-9169-0DDDA8FB1AB3}" type="slidenum">
+            <a:fld id="{D29FF449-7D37-4DD0-A773-653F47BF8B8A}" type="slidenum">
               <a:rPr lang="zh-CN" altLang="en-US" smtClean="0"/>
               <a:t>‹#›</a:t>
             </a:fld>
@@ -2127,7 +2127,7 @@
     </p:spTree>
     <p:extLst>
       <p:ext uri="{BB962C8B-B14F-4D97-AF65-F5344CB8AC3E}">
-        <p14:creationId xmlns:p14="http://schemas.microsoft.com/office/powerpoint/2010/main" val="3421106743"/>
+        <p14:creationId xmlns:p14="http://schemas.microsoft.com/office/powerpoint/2010/main" val="3696908810"/>
       </p:ext>
     </p:extLst>
   </p:cSld>
@@ -2159,7 +2159,7 @@
           <p:cNvPr id="2" name="标题 1">
             <a:extLst>
               <a:ext uri="{FF2B5EF4-FFF2-40B4-BE49-F238E27FC236}">
-                <a16:creationId xmlns:a16="http://schemas.microsoft.com/office/drawing/2014/main" id="{BE5E18C0-F7C3-0014-D178-76672D665EE7}"/>
+                <a16:creationId xmlns:a16="http://schemas.microsoft.com/office/drawing/2014/main" id="{3E367C7F-5DD7-65A0-CFC1-B76B90557A4B}"/>
               </a:ext>
             </a:extLst>
           </p:cNvPr>
@@ -2196,7 +2196,7 @@
           <p:cNvPr id="3" name="内容占位符 2">
             <a:extLst>
               <a:ext uri="{FF2B5EF4-FFF2-40B4-BE49-F238E27FC236}">
-                <a16:creationId xmlns:a16="http://schemas.microsoft.com/office/drawing/2014/main" id="{859AA048-7194-DC15-98F5-13301500A684}"/>
+                <a16:creationId xmlns:a16="http://schemas.microsoft.com/office/drawing/2014/main" id="{404D99F3-6097-1346-AB62-430AACC0B8AC}"/>
               </a:ext>
             </a:extLst>
           </p:cNvPr>
@@ -2286,7 +2286,7 @@
           <p:cNvPr id="4" name="文本占位符 3">
             <a:extLst>
               <a:ext uri="{FF2B5EF4-FFF2-40B4-BE49-F238E27FC236}">
-                <a16:creationId xmlns:a16="http://schemas.microsoft.com/office/drawing/2014/main" id="{A6457D93-307F-25FF-A591-6209922096D5}"/>
+                <a16:creationId xmlns:a16="http://schemas.microsoft.com/office/drawing/2014/main" id="{6D2D1525-9E06-FD28-4349-5B81F4E470BE}"/>
               </a:ext>
             </a:extLst>
           </p:cNvPr>
@@ -2357,7 +2357,7 @@
           <p:cNvPr id="5" name="日期占位符 4">
             <a:extLst>
               <a:ext uri="{FF2B5EF4-FFF2-40B4-BE49-F238E27FC236}">
-                <a16:creationId xmlns:a16="http://schemas.microsoft.com/office/drawing/2014/main" id="{4FDE857B-F2FE-5C23-AB8A-5DEAA1C0209E}"/>
+                <a16:creationId xmlns:a16="http://schemas.microsoft.com/office/drawing/2014/main" id="{E062C75A-93A4-FDB0-3499-03EF2BCB6630}"/>
               </a:ext>
             </a:extLst>
           </p:cNvPr>
@@ -2373,7 +2373,7 @@
           <a:bodyPr/>
           <a:lstStyle/>
           <a:p>
-            <a:fld id="{931292E8-0182-4F6A-A6D6-AA4322D415DA}" type="datetimeFigureOut">
+            <a:fld id="{7FA305C4-3DC0-47BB-B9EB-61C3FF20102E}" type="datetimeFigureOut">
               <a:rPr lang="zh-CN" altLang="en-US" smtClean="0"/>
               <a:t>2024/3/10</a:t>
             </a:fld>
@@ -2386,7 +2386,7 @@
           <p:cNvPr id="6" name="页脚占位符 5">
             <a:extLst>
               <a:ext uri="{FF2B5EF4-FFF2-40B4-BE49-F238E27FC236}">
-                <a16:creationId xmlns:a16="http://schemas.microsoft.com/office/drawing/2014/main" id="{1B39CEE1-7906-7662-A78C-B1520AC31FDB}"/>
+                <a16:creationId xmlns:a16="http://schemas.microsoft.com/office/drawing/2014/main" id="{31CD5F60-71D3-D4D4-5BD1-C0CA6AD2B22B}"/>
               </a:ext>
             </a:extLst>
           </p:cNvPr>
@@ -2411,7 +2411,7 @@
           <p:cNvPr id="7" name="灯片编号占位符 6">
             <a:extLst>
               <a:ext uri="{FF2B5EF4-FFF2-40B4-BE49-F238E27FC236}">
-                <a16:creationId xmlns:a16="http://schemas.microsoft.com/office/drawing/2014/main" id="{D419740B-9D12-9BBE-0FA7-545E196454B5}"/>
+                <a16:creationId xmlns:a16="http://schemas.microsoft.com/office/drawing/2014/main" id="{73F20A90-B500-5BD8-280D-41FF73CD7F7F}"/>
               </a:ext>
             </a:extLst>
           </p:cNvPr>
@@ -2427,7 +2427,7 @@
           <a:bodyPr/>
           <a:lstStyle/>
           <a:p>
-            <a:fld id="{969C87D2-23A5-48A0-9169-0DDDA8FB1AB3}" type="slidenum">
+            <a:fld id="{D29FF449-7D37-4DD0-A773-653F47BF8B8A}" type="slidenum">
               <a:rPr lang="zh-CN" altLang="en-US" smtClean="0"/>
               <a:t>‹#›</a:t>
             </a:fld>
@@ -2438,7 +2438,7 @@
     </p:spTree>
     <p:extLst>
       <p:ext uri="{BB962C8B-B14F-4D97-AF65-F5344CB8AC3E}">
-        <p14:creationId xmlns:p14="http://schemas.microsoft.com/office/powerpoint/2010/main" val="1006814279"/>
+        <p14:creationId xmlns:p14="http://schemas.microsoft.com/office/powerpoint/2010/main" val="536862021"/>
       </p:ext>
     </p:extLst>
   </p:cSld>
@@ -2470,7 +2470,7 @@
           <p:cNvPr id="2" name="标题 1">
             <a:extLst>
               <a:ext uri="{FF2B5EF4-FFF2-40B4-BE49-F238E27FC236}">
-                <a16:creationId xmlns:a16="http://schemas.microsoft.com/office/drawing/2014/main" id="{2D8AA8AA-9BE4-19AF-FEC9-1CBC0F8D429E}"/>
+                <a16:creationId xmlns:a16="http://schemas.microsoft.com/office/drawing/2014/main" id="{A2C4396A-BA7E-0513-FD43-3C770FE58122}"/>
               </a:ext>
             </a:extLst>
           </p:cNvPr>
@@ -2507,7 +2507,7 @@
           <p:cNvPr id="3" name="图片占位符 2">
             <a:extLst>
               <a:ext uri="{FF2B5EF4-FFF2-40B4-BE49-F238E27FC236}">
-                <a16:creationId xmlns:a16="http://schemas.microsoft.com/office/drawing/2014/main" id="{02B1FBE0-04FA-E724-A702-9AD88390E782}"/>
+                <a16:creationId xmlns:a16="http://schemas.microsoft.com/office/drawing/2014/main" id="{96B6794C-C022-CC32-60A9-19EEB1B6FF34}"/>
               </a:ext>
             </a:extLst>
           </p:cNvPr>
@@ -2574,7 +2574,7 @@
           <p:cNvPr id="4" name="文本占位符 3">
             <a:extLst>
               <a:ext uri="{FF2B5EF4-FFF2-40B4-BE49-F238E27FC236}">
-                <a16:creationId xmlns:a16="http://schemas.microsoft.com/office/drawing/2014/main" id="{33438563-3DC3-5C1B-0ABE-59597C07D324}"/>
+                <a16:creationId xmlns:a16="http://schemas.microsoft.com/office/drawing/2014/main" id="{A7A16B47-A105-3516-D093-54BF67161B1A}"/>
               </a:ext>
             </a:extLst>
           </p:cNvPr>
@@ -2645,7 +2645,7 @@
           <p:cNvPr id="5" name="日期占位符 4">
             <a:extLst>
               <a:ext uri="{FF2B5EF4-FFF2-40B4-BE49-F238E27FC236}">
-                <a16:creationId xmlns:a16="http://schemas.microsoft.com/office/drawing/2014/main" id="{0076891A-50A6-5EEC-C953-7CFEEA0F5873}"/>
+                <a16:creationId xmlns:a16="http://schemas.microsoft.com/office/drawing/2014/main" id="{5FFAF401-471D-DFAC-C89D-76ACA3AEB85B}"/>
               </a:ext>
             </a:extLst>
           </p:cNvPr>
@@ -2661,7 +2661,7 @@
           <a:bodyPr/>
           <a:lstStyle/>
           <a:p>
-            <a:fld id="{931292E8-0182-4F6A-A6D6-AA4322D415DA}" type="datetimeFigureOut">
+            <a:fld id="{7FA305C4-3DC0-47BB-B9EB-61C3FF20102E}" type="datetimeFigureOut">
               <a:rPr lang="zh-CN" altLang="en-US" smtClean="0"/>
               <a:t>2024/3/10</a:t>
             </a:fld>
@@ -2674,7 +2674,7 @@
           <p:cNvPr id="6" name="页脚占位符 5">
             <a:extLst>
               <a:ext uri="{FF2B5EF4-FFF2-40B4-BE49-F238E27FC236}">
-                <a16:creationId xmlns:a16="http://schemas.microsoft.com/office/drawing/2014/main" id="{2A5F2EFB-5E34-4D74-BF8D-B27D10FEABD6}"/>
+                <a16:creationId xmlns:a16="http://schemas.microsoft.com/office/drawing/2014/main" id="{16561F2C-9DA4-91F1-89AB-0FD69158B10C}"/>
               </a:ext>
             </a:extLst>
           </p:cNvPr>
@@ -2699,7 +2699,7 @@
           <p:cNvPr id="7" name="灯片编号占位符 6">
             <a:extLst>
               <a:ext uri="{FF2B5EF4-FFF2-40B4-BE49-F238E27FC236}">
-                <a16:creationId xmlns:a16="http://schemas.microsoft.com/office/drawing/2014/main" id="{1F4CEECE-0969-20E4-F4F5-0E0567553CBA}"/>
+                <a16:creationId xmlns:a16="http://schemas.microsoft.com/office/drawing/2014/main" id="{ADA07FC1-BAFB-7AA7-A4CC-5AD7408DC272}"/>
               </a:ext>
             </a:extLst>
           </p:cNvPr>
@@ -2715,7 +2715,7 @@
           <a:bodyPr/>
           <a:lstStyle/>
           <a:p>
-            <a:fld id="{969C87D2-23A5-48A0-9169-0DDDA8FB1AB3}" type="slidenum">
+            <a:fld id="{D29FF449-7D37-4DD0-A773-653F47BF8B8A}" type="slidenum">
               <a:rPr lang="zh-CN" altLang="en-US" smtClean="0"/>
               <a:t>‹#›</a:t>
             </a:fld>
@@ -2726,7 +2726,7 @@
     </p:spTree>
     <p:extLst>
       <p:ext uri="{BB962C8B-B14F-4D97-AF65-F5344CB8AC3E}">
-        <p14:creationId xmlns:p14="http://schemas.microsoft.com/office/powerpoint/2010/main" val="3385685511"/>
+        <p14:creationId xmlns:p14="http://schemas.microsoft.com/office/powerpoint/2010/main" val="4235190949"/>
       </p:ext>
     </p:extLst>
   </p:cSld>
@@ -2763,7 +2763,7 @@
           <p:cNvPr id="2" name="标题占位符 1">
             <a:extLst>
               <a:ext uri="{FF2B5EF4-FFF2-40B4-BE49-F238E27FC236}">
-                <a16:creationId xmlns:a16="http://schemas.microsoft.com/office/drawing/2014/main" id="{5A767043-4E7A-7918-92A0-5BAB99B87EB9}"/>
+                <a16:creationId xmlns:a16="http://schemas.microsoft.com/office/drawing/2014/main" id="{4FA18CCD-4845-7DF6-5C4B-4D61C9AB1FC9}"/>
               </a:ext>
             </a:extLst>
           </p:cNvPr>
@@ -2801,7 +2801,7 @@
           <p:cNvPr id="3" name="文本占位符 2">
             <a:extLst>
               <a:ext uri="{FF2B5EF4-FFF2-40B4-BE49-F238E27FC236}">
-                <a16:creationId xmlns:a16="http://schemas.microsoft.com/office/drawing/2014/main" id="{EF54B753-DB36-E8A6-1FA0-6EA1A0CF3DCA}"/>
+                <a16:creationId xmlns:a16="http://schemas.microsoft.com/office/drawing/2014/main" id="{101AF73F-83B3-F8AD-53A3-2AE06A4ADA2F}"/>
               </a:ext>
             </a:extLst>
           </p:cNvPr>
@@ -2868,7 +2868,7 @@
           <p:cNvPr id="4" name="日期占位符 3">
             <a:extLst>
               <a:ext uri="{FF2B5EF4-FFF2-40B4-BE49-F238E27FC236}">
-                <a16:creationId xmlns:a16="http://schemas.microsoft.com/office/drawing/2014/main" id="{C8EE407C-A7BC-06F7-D2BF-770354D61BCE}"/>
+                <a16:creationId xmlns:a16="http://schemas.microsoft.com/office/drawing/2014/main" id="{4F0DC707-2CD0-26A0-9A8F-D983410B2733}"/>
               </a:ext>
             </a:extLst>
           </p:cNvPr>
@@ -2902,7 +2902,7 @@
             </a:lvl1pPr>
           </a:lstStyle>
           <a:p>
-            <a:fld id="{931292E8-0182-4F6A-A6D6-AA4322D415DA}" type="datetimeFigureOut">
+            <a:fld id="{7FA305C4-3DC0-47BB-B9EB-61C3FF20102E}" type="datetimeFigureOut">
               <a:rPr lang="zh-CN" altLang="en-US" smtClean="0"/>
               <a:t>2024/3/10</a:t>
             </a:fld>
@@ -2915,7 +2915,7 @@
           <p:cNvPr id="5" name="页脚占位符 4">
             <a:extLst>
               <a:ext uri="{FF2B5EF4-FFF2-40B4-BE49-F238E27FC236}">
-                <a16:creationId xmlns:a16="http://schemas.microsoft.com/office/drawing/2014/main" id="{8849ECB3-ED90-6901-79C2-CE930E3DE793}"/>
+                <a16:creationId xmlns:a16="http://schemas.microsoft.com/office/drawing/2014/main" id="{21AB6783-D545-ACFD-7282-8CE9D074BF1E}"/>
               </a:ext>
             </a:extLst>
           </p:cNvPr>
@@ -2958,7 +2958,7 @@
           <p:cNvPr id="6" name="灯片编号占位符 5">
             <a:extLst>
               <a:ext uri="{FF2B5EF4-FFF2-40B4-BE49-F238E27FC236}">
-                <a16:creationId xmlns:a16="http://schemas.microsoft.com/office/drawing/2014/main" id="{4BDDDA1E-FF6F-48F2-F501-B2EEACD48B88}"/>
+                <a16:creationId xmlns:a16="http://schemas.microsoft.com/office/drawing/2014/main" id="{4936FF31-57E8-99C0-4C3F-9BEEDB433D03}"/>
               </a:ext>
             </a:extLst>
           </p:cNvPr>
@@ -2992,7 +2992,7 @@
             </a:lvl1pPr>
           </a:lstStyle>
           <a:p>
-            <a:fld id="{969C87D2-23A5-48A0-9169-0DDDA8FB1AB3}" type="slidenum">
+            <a:fld id="{D29FF449-7D37-4DD0-A773-653F47BF8B8A}" type="slidenum">
               <a:rPr lang="zh-CN" altLang="en-US" smtClean="0"/>
               <a:t>‹#›</a:t>
             </a:fld>
@@ -3003,7 +3003,7 @@
     </p:spTree>
     <p:extLst>
       <p:ext uri="{BB962C8B-B14F-4D97-AF65-F5344CB8AC3E}">
-        <p14:creationId xmlns:p14="http://schemas.microsoft.com/office/powerpoint/2010/main" val="902307971"/>
+        <p14:creationId xmlns:p14="http://schemas.microsoft.com/office/powerpoint/2010/main" val="1792561002"/>
       </p:ext>
     </p:extLst>
   </p:cSld>
@@ -3323,7 +3323,7 @@
       </p:grpSpPr>
       <p:pic>
         <p:nvPicPr>
-          <p:cNvPr id="696322" name="Picture 2" descr="679"/>
+          <p:cNvPr id="697346" name="Picture 2" descr="680"/>
           <p:cNvPicPr>
             <a:picLocks noChangeAspect="1" noChangeArrowheads="1"/>
           </p:cNvPicPr>
@@ -3345,7 +3345,7 @@
         <p:spPr bwMode="auto">
           <a:xfrm>
             <a:off x="1524000" y="0"/>
-            <a:ext cx="9144000" cy="6858000"/>
+            <a:ext cx="9144000" cy="6165850"/>
           </a:xfrm>
           <a:prstGeom prst="rect">
             <a:avLst/>
@@ -3375,158 +3375,11 @@
           </a:extLst>
         </p:spPr>
       </p:pic>
-      <p:pic>
-        <p:nvPicPr>
-          <p:cNvPr id="697347" name="Picture 3" descr="679-2"/>
-          <p:cNvPicPr>
-            <a:picLocks noChangeAspect="1" noChangeArrowheads="1"/>
-          </p:cNvPicPr>
-          <p:nvPr/>
-        </p:nvPicPr>
-        <p:blipFill>
-          <a:blip r:embed="rId3">
-            <a:extLst>
-              <a:ext uri="{28A0092B-C50C-407E-A947-70E740481C1C}">
-                <a14:useLocalDpi xmlns:a14="http://schemas.microsoft.com/office/drawing/2010/main" val="0"/>
-              </a:ext>
-            </a:extLst>
-          </a:blip>
-          <a:srcRect/>
-          <a:stretch>
-            <a:fillRect/>
-          </a:stretch>
-        </p:blipFill>
-        <p:spPr bwMode="auto">
-          <a:xfrm>
-            <a:off x="1560513" y="0"/>
-            <a:ext cx="9144000" cy="6858000"/>
-          </a:xfrm>
-          <a:prstGeom prst="rect">
-            <a:avLst/>
-          </a:prstGeom>
-          <a:noFill/>
-          <a:ln>
-            <a:noFill/>
-          </a:ln>
-          <a:effectLst/>
-          <a:extLst>
-            <a:ext uri="{909E8E84-426E-40DD-AFC4-6F175D3DCCD1}">
-              <a14:hiddenFill xmlns:a14="http://schemas.microsoft.com/office/drawing/2010/main">
-                <a:solidFill>
-                  <a:srgbClr val="FFFFFF"/>
-                </a:solidFill>
-              </a14:hiddenFill>
-            </a:ext>
-            <a:ext uri="{91240B29-F687-4F45-9708-019B960494DF}">
-              <a14:hiddenLine xmlns:a14="http://schemas.microsoft.com/office/drawing/2010/main" w="9525">
-                <a:solidFill>
-                  <a:srgbClr val="000000"/>
-                </a:solidFill>
-                <a:miter lim="800000"/>
-                <a:headEnd/>
-                <a:tailEnd/>
-              </a14:hiddenLine>
-            </a:ext>
-            <a:ext uri="{AF507438-7753-43E0-B8FC-AC1667EBCBE1}">
-              <a14:hiddenEffects xmlns:a14="http://schemas.microsoft.com/office/drawing/2010/main">
-                <a:effectLst>
-                  <a:outerShdw dist="35921" dir="2700000" algn="ctr" rotWithShape="0">
-                    <a:srgbClr val="808080"/>
-                  </a:outerShdw>
-                </a:effectLst>
-              </a14:hiddenEffects>
-            </a:ext>
-          </a:extLst>
-        </p:spPr>
-      </p:pic>
     </p:spTree>
   </p:cSld>
   <p:clrMapOvr>
     <a:masterClrMapping/>
   </p:clrMapOvr>
-  <p:timing>
-    <p:tnLst>
-      <p:par>
-        <p:cTn id="1" dur="indefinite" restart="never" nodeType="tmRoot">
-          <p:childTnLst>
-            <p:seq concurrent="1" nextAc="seek">
-              <p:cTn id="2" dur="indefinite" nodeType="mainSeq">
-                <p:childTnLst>
-                  <p:par>
-                    <p:cTn id="3" fill="hold" nodeType="clickPar">
-                      <p:stCondLst>
-                        <p:cond delay="indefinite"/>
-                      </p:stCondLst>
-                      <p:childTnLst>
-                        <p:par>
-                          <p:cTn id="4" fill="hold" nodeType="withGroup">
-                            <p:stCondLst>
-                              <p:cond delay="0"/>
-                            </p:stCondLst>
-                            <p:childTnLst>
-                              <p:par>
-                                <p:cTn id="5" presetID="10" presetClass="entr" presetSubtype="0" fill="hold" nodeType="clickEffect">
-                                  <p:stCondLst>
-                                    <p:cond delay="0"/>
-                                  </p:stCondLst>
-                                  <p:childTnLst>
-                                    <p:set>
-                                      <p:cBhvr>
-                                        <p:cTn id="6" dur="1" fill="hold">
-                                          <p:stCondLst>
-                                            <p:cond delay="0"/>
-                                          </p:stCondLst>
-                                        </p:cTn>
-                                        <p:tgtEl>
-                                          <p:spTgt spid="697347"/>
-                                        </p:tgtEl>
-                                        <p:attrNameLst>
-                                          <p:attrName>style.visibility</p:attrName>
-                                        </p:attrNameLst>
-                                      </p:cBhvr>
-                                      <p:to>
-                                        <p:strVal val="visible"/>
-                                      </p:to>
-                                    </p:set>
-                                    <p:animEffect transition="in" filter="fade">
-                                      <p:cBhvr>
-                                        <p:cTn id="7" dur="500"/>
-                                        <p:tgtEl>
-                                          <p:spTgt spid="697347"/>
-                                        </p:tgtEl>
-                                      </p:cBhvr>
-                                    </p:animEffect>
-                                  </p:childTnLst>
-                                </p:cTn>
-                              </p:par>
-                            </p:childTnLst>
-                          </p:cTn>
-                        </p:par>
-                      </p:childTnLst>
-                    </p:cTn>
-                  </p:par>
-                </p:childTnLst>
-              </p:cTn>
-              <p:prevCondLst>
-                <p:cond evt="onPrev" delay="0">
-                  <p:tgtEl>
-                    <p:sldTgt/>
-                  </p:tgtEl>
-                </p:cond>
-              </p:prevCondLst>
-              <p:nextCondLst>
-                <p:cond evt="onNext" delay="0">
-                  <p:tgtEl>
-                    <p:sldTgt/>
-                  </p:tgtEl>
-                </p:cond>
-              </p:nextCondLst>
-            </p:seq>
-          </p:childTnLst>
-        </p:cTn>
-      </p:par>
-    </p:tnLst>
-  </p:timing>
 </p:sld>
 </file>
 
